--- a/docs/main/Manuscript Final Figures.pptx
+++ b/docs/main/Manuscript Final Figures.pptx
@@ -264,7 +264,7 @@
   </p:defaultTextStyle>
   <p:extLst>
     <p:ext uri="GoogleSlidesCustomDataVersion2">
-      <go:slidesCustomData xmlns:go="http://customooxmlschemas.google.com/" r:id="rId22" roundtripDataSignature="AMtx7mhZy1xHCN5w41sufeJ82G3L3vA1Qw=="/>
+      <go:slidesCustomData xmlns:go="http://customooxmlschemas.google.com/" r:id="rId22" roundtripDataSignature="AMtx7mied8iiuDxrnS6XRAil7fgF/S1neA=="/>
     </p:ext>
   </p:extLst>
 </p:presentation>
@@ -13928,8 +13928,8 @@
         </p:blipFill>
         <p:spPr>
           <a:xfrm>
-            <a:off x="2401688" y="0"/>
-            <a:ext cx="7388634" cy="6858001"/>
+            <a:off x="2558588" y="152400"/>
+            <a:ext cx="7074820" cy="6553202"/>
           </a:xfrm>
           <a:prstGeom prst="rect">
             <a:avLst/>
